--- a/Final_PowerPoint_MLB_Analysis.pptx
+++ b/Final_PowerPoint_MLB_Analysis.pptx
@@ -855,7 +855,7 @@
           <a:p>
             <a:fld id="{B39DE4F2-2FC1-4D63-B0CD-562562E2B31E}" type="datetimeFigureOut">
               <a:rPr lang="en-US" smtClean="0"/>
-              <a:t>1/2/2021</a:t>
+              <a:t>1/4/2021</a:t>
             </a:fld>
             <a:endParaRPr lang="en-US"/>
           </a:p>
@@ -1034,7 +1034,7 @@
           <a:p>
             <a:fld id="{B39DE4F2-2FC1-4D63-B0CD-562562E2B31E}" type="datetimeFigureOut">
               <a:rPr lang="en-US" smtClean="0"/>
-              <a:t>1/2/2021</a:t>
+              <a:t>1/4/2021</a:t>
             </a:fld>
             <a:endParaRPr lang="en-US"/>
           </a:p>
@@ -1214,7 +1214,7 @@
           <a:p>
             <a:fld id="{B39DE4F2-2FC1-4D63-B0CD-562562E2B31E}" type="datetimeFigureOut">
               <a:rPr lang="en-US" smtClean="0"/>
-              <a:t>1/2/2021</a:t>
+              <a:t>1/4/2021</a:t>
             </a:fld>
             <a:endParaRPr lang="en-US"/>
           </a:p>
@@ -1384,7 +1384,7 @@
           <a:p>
             <a:fld id="{B39DE4F2-2FC1-4D63-B0CD-562562E2B31E}" type="datetimeFigureOut">
               <a:rPr lang="en-US" smtClean="0"/>
-              <a:t>1/2/2021</a:t>
+              <a:t>1/4/2021</a:t>
             </a:fld>
             <a:endParaRPr lang="en-US"/>
           </a:p>
@@ -1697,7 +1697,7 @@
           <a:p>
             <a:fld id="{B39DE4F2-2FC1-4D63-B0CD-562562E2B31E}" type="datetimeFigureOut">
               <a:rPr lang="en-US" smtClean="0"/>
-              <a:t>1/2/2021</a:t>
+              <a:t>1/4/2021</a:t>
             </a:fld>
             <a:endParaRPr lang="en-US"/>
           </a:p>
@@ -2083,7 +2083,7 @@
           <a:p>
             <a:fld id="{B39DE4F2-2FC1-4D63-B0CD-562562E2B31E}" type="datetimeFigureOut">
               <a:rPr lang="en-US" smtClean="0"/>
-              <a:t>1/2/2021</a:t>
+              <a:t>1/4/2021</a:t>
             </a:fld>
             <a:endParaRPr lang="en-US"/>
           </a:p>
@@ -2517,7 +2517,7 @@
           <a:p>
             <a:fld id="{B39DE4F2-2FC1-4D63-B0CD-562562E2B31E}" type="datetimeFigureOut">
               <a:rPr lang="en-US" smtClean="0"/>
-              <a:t>1/2/2021</a:t>
+              <a:t>1/4/2021</a:t>
             </a:fld>
             <a:endParaRPr lang="en-US"/>
           </a:p>
@@ -2635,7 +2635,7 @@
           <a:p>
             <a:fld id="{B39DE4F2-2FC1-4D63-B0CD-562562E2B31E}" type="datetimeFigureOut">
               <a:rPr lang="en-US" smtClean="0"/>
-              <a:t>1/2/2021</a:t>
+              <a:t>1/4/2021</a:t>
             </a:fld>
             <a:endParaRPr lang="en-US"/>
           </a:p>
@@ -2730,7 +2730,7 @@
           <a:p>
             <a:fld id="{B39DE4F2-2FC1-4D63-B0CD-562562E2B31E}" type="datetimeFigureOut">
               <a:rPr lang="en-US" smtClean="0"/>
-              <a:t>1/2/2021</a:t>
+              <a:t>1/4/2021</a:t>
             </a:fld>
             <a:endParaRPr lang="en-US"/>
           </a:p>
@@ -3080,7 +3080,7 @@
           <a:p>
             <a:fld id="{B39DE4F2-2FC1-4D63-B0CD-562562E2B31E}" type="datetimeFigureOut">
               <a:rPr lang="en-US" smtClean="0"/>
-              <a:t>1/2/2021</a:t>
+              <a:t>1/4/2021</a:t>
             </a:fld>
             <a:endParaRPr lang="en-US"/>
           </a:p>
@@ -3505,7 +3505,7 @@
           <a:p>
             <a:fld id="{B39DE4F2-2FC1-4D63-B0CD-562562E2B31E}" type="datetimeFigureOut">
               <a:rPr lang="en-US" smtClean="0"/>
-              <a:t>1/2/2021</a:t>
+              <a:t>1/4/2021</a:t>
             </a:fld>
             <a:endParaRPr lang="en-US"/>
           </a:p>
@@ -3786,7 +3786,7 @@
           <a:p>
             <a:fld id="{B39DE4F2-2FC1-4D63-B0CD-562562E2B31E}" type="datetimeFigureOut">
               <a:rPr lang="en-US" smtClean="0"/>
-              <a:t>1/2/2021</a:t>
+              <a:t>1/4/2021</a:t>
             </a:fld>
             <a:endParaRPr lang="en-US"/>
           </a:p>
@@ -8082,7 +8082,7 @@
           <a:p>
             <a:r>
               <a:rPr lang="en-US" dirty="0"/>
-              <a:t>By and large, teams that win the championship are spending more then teams that don’t win the championship</a:t>
+              <a:t>By and large, teams that win the championship are spending more than teams that don’t win the championship</a:t>
             </a:r>
           </a:p>
         </p:txBody>
